--- a/User flow.pptx
+++ b/User flow.pptx
@@ -8,6 +8,9 @@
     <p:sldId id="256" r:id="rId2"/>
     <p:sldId id="257" r:id="rId3"/>
     <p:sldId id="258" r:id="rId4"/>
+    <p:sldId id="259" r:id="rId5"/>
+    <p:sldId id="260" r:id="rId6"/>
+    <p:sldId id="261" r:id="rId7"/>
   </p:sldIdLst>
   <p:sldSz cx="9601200" cy="12801600" type="A3"/>
   <p:notesSz cx="6858000" cy="9144000"/>
@@ -3215,7 +3218,7 @@
         </p:nvSpPr>
         <p:spPr>
           <a:xfrm>
-            <a:off x="2984500" y="2781300"/>
+            <a:off x="2984500" y="3041650"/>
             <a:ext cx="2628900" cy="1358900"/>
           </a:xfrm>
           <a:prstGeom prst="diamond">
@@ -3274,7 +3277,7 @@
         </p:nvSpPr>
         <p:spPr>
           <a:xfrm>
-            <a:off x="736600" y="3041650"/>
+            <a:off x="773430" y="3282950"/>
             <a:ext cx="1333500" cy="876300"/>
           </a:xfrm>
           <a:prstGeom prst="roundRect">
@@ -3328,7 +3331,7 @@
         </p:nvSpPr>
         <p:spPr>
           <a:xfrm>
-            <a:off x="6819900" y="3041650"/>
+            <a:off x="6827520" y="3282950"/>
             <a:ext cx="1333500" cy="876300"/>
           </a:xfrm>
           <a:prstGeom prst="roundRect">
@@ -3368,6 +3371,204 @@
           </a:p>
         </p:txBody>
       </p:sp>
+      <p:cxnSp>
+        <p:nvCxnSpPr>
+          <p:cNvPr id="18" name="Straight Arrow Connector 17">
+            <a:extLst>
+              <a:ext uri="{FF2B5EF4-FFF2-40B4-BE49-F238E27FC236}">
+                <a16:creationId xmlns:a16="http://schemas.microsoft.com/office/drawing/2014/main" id="{91229D9B-044A-4C4B-A0E6-56F1F40772D4}"/>
+              </a:ext>
+            </a:extLst>
+          </p:cNvPr>
+          <p:cNvCxnSpPr>
+            <a:stCxn id="8" idx="2"/>
+            <a:endCxn id="10" idx="0"/>
+          </p:cNvCxnSpPr>
+          <p:nvPr/>
+        </p:nvCxnSpPr>
+        <p:spPr>
+          <a:xfrm>
+            <a:off x="4298950" y="1263650"/>
+            <a:ext cx="0" cy="463550"/>
+          </a:xfrm>
+          <a:prstGeom prst="straightConnector1">
+            <a:avLst/>
+          </a:prstGeom>
+          <a:ln w="38100">
+            <a:tailEnd type="triangle"/>
+          </a:ln>
+        </p:spPr>
+        <p:style>
+          <a:lnRef idx="1">
+            <a:schemeClr val="accent1"/>
+          </a:lnRef>
+          <a:fillRef idx="0">
+            <a:schemeClr val="accent1"/>
+          </a:fillRef>
+          <a:effectRef idx="0">
+            <a:schemeClr val="accent1"/>
+          </a:effectRef>
+          <a:fontRef idx="minor">
+            <a:schemeClr val="tx1"/>
+          </a:fontRef>
+        </p:style>
+      </p:cxnSp>
+      <p:cxnSp>
+        <p:nvCxnSpPr>
+          <p:cNvPr id="21" name="Straight Arrow Connector 20">
+            <a:extLst>
+              <a:ext uri="{FF2B5EF4-FFF2-40B4-BE49-F238E27FC236}">
+                <a16:creationId xmlns:a16="http://schemas.microsoft.com/office/drawing/2014/main" id="{04FD1DB4-172B-4CD3-9746-EA0BF57BBF4A}"/>
+              </a:ext>
+            </a:extLst>
+          </p:cNvPr>
+          <p:cNvCxnSpPr>
+            <a:stCxn id="10" idx="4"/>
+            <a:endCxn id="12" idx="0"/>
+          </p:cNvCxnSpPr>
+          <p:nvPr/>
+        </p:nvCxnSpPr>
+        <p:spPr>
+          <a:xfrm>
+            <a:off x="4298950" y="2476500"/>
+            <a:ext cx="0" cy="565150"/>
+          </a:xfrm>
+          <a:prstGeom prst="straightConnector1">
+            <a:avLst/>
+          </a:prstGeom>
+          <a:ln w="38100">
+            <a:tailEnd type="triangle"/>
+          </a:ln>
+        </p:spPr>
+        <p:style>
+          <a:lnRef idx="1">
+            <a:schemeClr val="accent1"/>
+          </a:lnRef>
+          <a:fillRef idx="0">
+            <a:schemeClr val="accent1"/>
+          </a:fillRef>
+          <a:effectRef idx="0">
+            <a:schemeClr val="accent1"/>
+          </a:effectRef>
+          <a:fontRef idx="minor">
+            <a:schemeClr val="tx1"/>
+          </a:fontRef>
+        </p:style>
+      </p:cxnSp>
+      <p:cxnSp>
+        <p:nvCxnSpPr>
+          <p:cNvPr id="23" name="Straight Arrow Connector 22">
+            <a:extLst>
+              <a:ext uri="{FF2B5EF4-FFF2-40B4-BE49-F238E27FC236}">
+                <a16:creationId xmlns:a16="http://schemas.microsoft.com/office/drawing/2014/main" id="{EEBF170A-526C-4755-9F19-C66050785107}"/>
+              </a:ext>
+            </a:extLst>
+          </p:cNvPr>
+          <p:cNvCxnSpPr>
+            <a:stCxn id="12" idx="3"/>
+            <a:endCxn id="16" idx="1"/>
+          </p:cNvCxnSpPr>
+          <p:nvPr/>
+        </p:nvCxnSpPr>
+        <p:spPr>
+          <a:xfrm>
+            <a:off x="5613400" y="3721100"/>
+            <a:ext cx="1214120" cy="0"/>
+          </a:xfrm>
+          <a:prstGeom prst="straightConnector1">
+            <a:avLst/>
+          </a:prstGeom>
+          <a:ln w="38100">
+            <a:tailEnd type="triangle"/>
+          </a:ln>
+        </p:spPr>
+        <p:style>
+          <a:lnRef idx="1">
+            <a:schemeClr val="accent1"/>
+          </a:lnRef>
+          <a:fillRef idx="0">
+            <a:schemeClr val="accent1"/>
+          </a:fillRef>
+          <a:effectRef idx="0">
+            <a:schemeClr val="accent1"/>
+          </a:effectRef>
+          <a:fontRef idx="minor">
+            <a:schemeClr val="tx1"/>
+          </a:fontRef>
+        </p:style>
+      </p:cxnSp>
+      <p:cxnSp>
+        <p:nvCxnSpPr>
+          <p:cNvPr id="25" name="Straight Arrow Connector 24">
+            <a:extLst>
+              <a:ext uri="{FF2B5EF4-FFF2-40B4-BE49-F238E27FC236}">
+                <a16:creationId xmlns:a16="http://schemas.microsoft.com/office/drawing/2014/main" id="{3B5E82DA-1914-40FE-AD47-DDCBFF266233}"/>
+              </a:ext>
+            </a:extLst>
+          </p:cNvPr>
+          <p:cNvCxnSpPr>
+            <a:stCxn id="12" idx="1"/>
+            <a:endCxn id="15" idx="3"/>
+          </p:cNvCxnSpPr>
+          <p:nvPr/>
+        </p:nvCxnSpPr>
+        <p:spPr>
+          <a:xfrm flipH="1">
+            <a:off x="2106930" y="3721100"/>
+            <a:ext cx="877570" cy="0"/>
+          </a:xfrm>
+          <a:prstGeom prst="straightConnector1">
+            <a:avLst/>
+          </a:prstGeom>
+          <a:ln w="38100">
+            <a:tailEnd type="triangle"/>
+          </a:ln>
+        </p:spPr>
+        <p:style>
+          <a:lnRef idx="1">
+            <a:schemeClr val="accent1"/>
+          </a:lnRef>
+          <a:fillRef idx="0">
+            <a:schemeClr val="accent1"/>
+          </a:fillRef>
+          <a:effectRef idx="0">
+            <a:schemeClr val="accent1"/>
+          </a:effectRef>
+          <a:fontRef idx="minor">
+            <a:schemeClr val="tx1"/>
+          </a:fontRef>
+        </p:style>
+      </p:cxnSp>
+      <p:pic>
+        <p:nvPicPr>
+          <p:cNvPr id="35" name="Picture 34">
+            <a:extLst>
+              <a:ext uri="{FF2B5EF4-FFF2-40B4-BE49-F238E27FC236}">
+                <a16:creationId xmlns:a16="http://schemas.microsoft.com/office/drawing/2014/main" id="{ADCF14E9-AA80-44B6-B282-F4BE4AF369C4}"/>
+              </a:ext>
+            </a:extLst>
+          </p:cNvPr>
+          <p:cNvPicPr>
+            <a:picLocks noChangeAspect="1"/>
+          </p:cNvPicPr>
+          <p:nvPr/>
+        </p:nvPicPr>
+        <p:blipFill>
+          <a:blip r:embed="rId2"/>
+          <a:stretch>
+            <a:fillRect/>
+          </a:stretch>
+        </p:blipFill>
+        <p:spPr>
+          <a:xfrm>
+            <a:off x="925195" y="7065597"/>
+            <a:ext cx="7401185" cy="4029805"/>
+          </a:xfrm>
+          <a:prstGeom prst="rect">
+            <a:avLst/>
+          </a:prstGeom>
+        </p:spPr>
+      </p:pic>
     </p:spTree>
     <p:extLst>
       <p:ext uri="{BB962C8B-B14F-4D97-AF65-F5344CB8AC3E}">
@@ -3688,7 +3889,7 @@
         <p:spPr>
           <a:xfrm>
             <a:off x="6847611" y="1118144"/>
-            <a:ext cx="1816100" cy="1003300"/>
+            <a:ext cx="1816100" cy="482054"/>
           </a:xfrm>
           <a:prstGeom prst="rect">
             <a:avLst/>
@@ -3720,17 +3921,7 @@
                 <a:latin typeface="Roboto" pitchFamily="2" charset="0"/>
                 <a:ea typeface="Roboto" pitchFamily="2" charset="0"/>
               </a:rPr>
-              <a:t>Hi-score: 0</a:t>
-            </a:r>
-          </a:p>
-          <a:p>
-            <a:pPr algn="ctr"/>
-            <a:r>
-              <a:rPr lang="en-US" dirty="0">
-                <a:latin typeface="Roboto" pitchFamily="2" charset="0"/>
-                <a:ea typeface="Roboto" pitchFamily="2" charset="0"/>
-              </a:rPr>
-              <a:t>Timer: 0</a:t>
+              <a:t>Score: 0</a:t>
             </a:r>
           </a:p>
         </p:txBody>
@@ -3834,11 +4025,18 @@
           <a:p>
             <a:pPr algn="ctr"/>
             <a:r>
+              <a:rPr lang="en-US" sz="1100" dirty="0">
+                <a:latin typeface="Roboto" pitchFamily="2" charset="0"/>
+                <a:ea typeface="Roboto" pitchFamily="2" charset="0"/>
+              </a:rPr>
+              <a:t>Check if </a:t>
+            </a:r>
+            <a:r>
               <a:rPr lang="en-US" sz="1100" dirty="0" err="1">
                 <a:latin typeface="Roboto" pitchFamily="2" charset="0"/>
                 <a:ea typeface="Roboto" pitchFamily="2" charset="0"/>
               </a:rPr>
-              <a:t>Button_press</a:t>
+              <a:t>button_press</a:t>
             </a:r>
             <a:r>
               <a:rPr lang="en-US" sz="1100" dirty="0">
@@ -3864,7 +4062,7 @@
         </p:nvSpPr>
         <p:spPr>
           <a:xfrm>
-            <a:off x="6847611" y="5093787"/>
+            <a:off x="6847611" y="5277937"/>
             <a:ext cx="1816100" cy="838202"/>
           </a:xfrm>
           <a:prstGeom prst="rect">
@@ -3933,7 +4131,7 @@
         </p:nvSpPr>
         <p:spPr>
           <a:xfrm>
-            <a:off x="6847611" y="6078038"/>
+            <a:off x="6847611" y="6204901"/>
             <a:ext cx="1816100" cy="749300"/>
           </a:xfrm>
           <a:prstGeom prst="parallelogram">
@@ -3985,8 +4183,8 @@
         </p:nvSpPr>
         <p:spPr>
           <a:xfrm>
-            <a:off x="6697297" y="4941388"/>
-            <a:ext cx="2116728" cy="2159000"/>
+            <a:off x="6697297" y="5107168"/>
+            <a:ext cx="2116728" cy="1993219"/>
           </a:xfrm>
           <a:prstGeom prst="rect">
             <a:avLst/>
@@ -4134,7 +4332,7 @@
                 <a:latin typeface="Roboto" pitchFamily="2" charset="0"/>
                 <a:ea typeface="Roboto" pitchFamily="2" charset="0"/>
               </a:rPr>
-              <a:t> in range for Correct or Incorrect</a:t>
+              <a:t> corresponds to R (played back file)</a:t>
             </a:r>
           </a:p>
         </p:txBody>
@@ -4298,14 +4496,16 @@
             </a:extLst>
           </p:cNvPr>
           <p:cNvCxnSpPr>
+            <a:cxnSpLocks/>
             <a:stCxn id="23" idx="1"/>
+            <a:endCxn id="57" idx="2"/>
           </p:cNvCxnSpPr>
           <p:nvPr/>
         </p:nvCxnSpPr>
         <p:spPr>
           <a:xfrm flipH="1">
-            <a:off x="4238171" y="7894682"/>
-            <a:ext cx="2203040" cy="15604"/>
+            <a:off x="5338829" y="7894682"/>
+            <a:ext cx="1102382" cy="0"/>
           </a:xfrm>
           <a:prstGeom prst="straightConnector1">
             <a:avLst/>
@@ -4343,7 +4543,7 @@
         </p:nvSpPr>
         <p:spPr>
           <a:xfrm>
-            <a:off x="10050596" y="11151959"/>
+            <a:off x="9580150" y="11151959"/>
             <a:ext cx="1816100" cy="838202"/>
           </a:xfrm>
           <a:prstGeom prst="rect">
@@ -4376,7 +4576,7 @@
                 <a:latin typeface="Roboto" pitchFamily="2" charset="0"/>
                 <a:ea typeface="Roboto" pitchFamily="2" charset="0"/>
               </a:rPr>
-              <a:t>Hi-score increment</a:t>
+              <a:t>Score increment</a:t>
             </a:r>
             <a:br>
               <a:rPr lang="en-US" sz="1200" dirty="0">
@@ -4422,7 +4622,7 @@
         </p:nvSpPr>
         <p:spPr>
           <a:xfrm>
-            <a:off x="9853746" y="7052717"/>
+            <a:off x="9230626" y="7021508"/>
             <a:ext cx="2515147" cy="1554662"/>
           </a:xfrm>
           <a:prstGeom prst="parallelogram">
@@ -4531,8 +4731,8 @@
         </p:nvCxnSpPr>
         <p:spPr>
           <a:xfrm>
-            <a:off x="7755661" y="2121444"/>
-            <a:ext cx="0" cy="438694"/>
+            <a:off x="7755661" y="1600198"/>
+            <a:ext cx="0" cy="959940"/>
           </a:xfrm>
           <a:prstGeom prst="straightConnector1">
             <a:avLst/>
@@ -4568,14 +4768,14 @@
           <p:cNvCxnSpPr>
             <a:cxnSpLocks/>
             <a:stCxn id="33" idx="0"/>
-            <a:endCxn id="13" idx="2"/>
+            <a:endCxn id="127" idx="3"/>
           </p:cNvCxnSpPr>
           <p:nvPr/>
         </p:nvCxnSpPr>
         <p:spPr>
           <a:xfrm rot="16200000" flipV="1">
-            <a:off x="7851571" y="3792967"/>
-            <a:ext cx="4117929" cy="2401571"/>
+            <a:off x="7052024" y="3585332"/>
+            <a:ext cx="5070883" cy="1801470"/>
           </a:xfrm>
           <a:prstGeom prst="bentConnector2">
             <a:avLst/>
@@ -4611,13 +4811,14 @@
           <p:cNvCxnSpPr>
             <a:cxnSpLocks/>
             <a:stCxn id="21" idx="3"/>
+            <a:endCxn id="31" idx="1"/>
           </p:cNvCxnSpPr>
           <p:nvPr/>
         </p:nvCxnSpPr>
         <p:spPr>
           <a:xfrm>
             <a:off x="9070111" y="11571060"/>
-            <a:ext cx="980485" cy="0"/>
+            <a:ext cx="510039" cy="0"/>
           </a:xfrm>
           <a:prstGeom prst="straightConnector1">
             <a:avLst/>
@@ -4652,14 +4853,15 @@
           </p:cNvPr>
           <p:cNvCxnSpPr>
             <a:cxnSpLocks/>
-            <a:endCxn id="33" idx="3"/>
+            <a:stCxn id="31" idx="0"/>
+            <a:endCxn id="33" idx="4"/>
           </p:cNvCxnSpPr>
           <p:nvPr/>
         </p:nvCxnSpPr>
         <p:spPr>
           <a:xfrm flipV="1">
-            <a:off x="10916987" y="8607379"/>
-            <a:ext cx="0" cy="2563268"/>
+            <a:off x="10488200" y="8576170"/>
+            <a:ext cx="0" cy="2575789"/>
           </a:xfrm>
           <a:prstGeom prst="straightConnector1">
             <a:avLst/>
@@ -4697,7 +4899,7 @@
         </p:nvSpPr>
         <p:spPr>
           <a:xfrm>
-            <a:off x="1884854" y="7019470"/>
+            <a:off x="3018015" y="7117351"/>
             <a:ext cx="2515147" cy="1554662"/>
           </a:xfrm>
           <a:prstGeom prst="parallelogram">
@@ -4753,8 +4955,8 @@
         </p:nvCxnSpPr>
         <p:spPr>
           <a:xfrm rot="5400000" flipH="1" flipV="1">
-            <a:off x="2295181" y="2467041"/>
-            <a:ext cx="5399676" cy="3705183"/>
+            <a:off x="2682510" y="2952250"/>
+            <a:ext cx="5758180" cy="2572022"/>
           </a:xfrm>
           <a:prstGeom prst="bentConnector2">
             <a:avLst/>
@@ -4789,14 +4991,15 @@
           </p:cNvPr>
           <p:cNvCxnSpPr>
             <a:cxnSpLocks/>
+            <a:stCxn id="21" idx="1"/>
             <a:endCxn id="57" idx="4"/>
           </p:cNvCxnSpPr>
           <p:nvPr/>
         </p:nvCxnSpPr>
         <p:spPr>
           <a:xfrm rot="10800000">
-            <a:off x="3142428" y="8574132"/>
-            <a:ext cx="3104044" cy="2996928"/>
+            <a:off x="4275589" y="8672014"/>
+            <a:ext cx="2165622" cy="2899047"/>
           </a:xfrm>
           <a:prstGeom prst="bentConnector2">
             <a:avLst/>
@@ -4834,7 +5037,7 @@
         </p:nvSpPr>
         <p:spPr>
           <a:xfrm>
-            <a:off x="4486567" y="3728538"/>
+            <a:off x="4691649" y="3728538"/>
             <a:ext cx="1333500" cy="876300"/>
           </a:xfrm>
           <a:prstGeom prst="roundRect">
@@ -4880,6 +5083,597 @@
                 <a:ea typeface="Roboto" pitchFamily="2" charset="0"/>
               </a:rPr>
               <a:t>(Start)</a:t>
+            </a:r>
+          </a:p>
+        </p:txBody>
+      </p:sp>
+      <p:sp>
+        <p:nvSpPr>
+          <p:cNvPr id="69" name="Rectangle 68">
+            <a:extLst>
+              <a:ext uri="{FF2B5EF4-FFF2-40B4-BE49-F238E27FC236}">
+                <a16:creationId xmlns:a16="http://schemas.microsoft.com/office/drawing/2014/main" id="{2464A2E5-C227-469F-A99E-968E01E92562}"/>
+              </a:ext>
+            </a:extLst>
+          </p:cNvPr>
+          <p:cNvSpPr/>
+          <p:nvPr/>
+        </p:nvSpPr>
+        <p:spPr>
+          <a:xfrm>
+            <a:off x="4486567" y="-8445500"/>
+            <a:ext cx="1816100" cy="1003300"/>
+          </a:xfrm>
+          <a:prstGeom prst="rect">
+            <a:avLst/>
+          </a:prstGeom>
+        </p:spPr>
+        <p:style>
+          <a:lnRef idx="2">
+            <a:schemeClr val="accent1">
+              <a:shade val="50000"/>
+            </a:schemeClr>
+          </a:lnRef>
+          <a:fillRef idx="1">
+            <a:schemeClr val="accent1"/>
+          </a:fillRef>
+          <a:effectRef idx="0">
+            <a:schemeClr val="accent1"/>
+          </a:effectRef>
+          <a:fontRef idx="minor">
+            <a:schemeClr val="lt1"/>
+          </a:fontRef>
+        </p:style>
+        <p:txBody>
+          <a:bodyPr rtlCol="0" anchor="ctr"/>
+          <a:lstStyle/>
+          <a:p>
+            <a:pPr algn="ctr"/>
+            <a:endParaRPr lang="en-US" dirty="0">
+              <a:latin typeface="Roboto" pitchFamily="2" charset="0"/>
+              <a:ea typeface="Roboto" pitchFamily="2" charset="0"/>
+            </a:endParaRPr>
+          </a:p>
+        </p:txBody>
+      </p:sp>
+      <p:cxnSp>
+        <p:nvCxnSpPr>
+          <p:cNvPr id="71" name="Straight Arrow Connector 70">
+            <a:extLst>
+              <a:ext uri="{FF2B5EF4-FFF2-40B4-BE49-F238E27FC236}">
+                <a16:creationId xmlns:a16="http://schemas.microsoft.com/office/drawing/2014/main" id="{C1E10E94-1365-4793-A76E-27E2E1733890}"/>
+              </a:ext>
+            </a:extLst>
+          </p:cNvPr>
+          <p:cNvCxnSpPr>
+            <a:cxnSpLocks/>
+            <a:stCxn id="13" idx="4"/>
+            <a:endCxn id="14" idx="0"/>
+          </p:cNvCxnSpPr>
+          <p:nvPr/>
+        </p:nvCxnSpPr>
+        <p:spPr>
+          <a:xfrm>
+            <a:off x="7755661" y="3309438"/>
+            <a:ext cx="0" cy="177800"/>
+          </a:xfrm>
+          <a:prstGeom prst="straightConnector1">
+            <a:avLst/>
+          </a:prstGeom>
+          <a:ln w="38100">
+            <a:tailEnd type="triangle"/>
+          </a:ln>
+        </p:spPr>
+        <p:style>
+          <a:lnRef idx="1">
+            <a:schemeClr val="accent1"/>
+          </a:lnRef>
+          <a:fillRef idx="0">
+            <a:schemeClr val="accent1"/>
+          </a:fillRef>
+          <a:effectRef idx="0">
+            <a:schemeClr val="accent1"/>
+          </a:effectRef>
+          <a:fontRef idx="minor">
+            <a:schemeClr val="tx1"/>
+          </a:fontRef>
+        </p:style>
+      </p:cxnSp>
+      <p:cxnSp>
+        <p:nvCxnSpPr>
+          <p:cNvPr id="73" name="Straight Arrow Connector 72">
+            <a:extLst>
+              <a:ext uri="{FF2B5EF4-FFF2-40B4-BE49-F238E27FC236}">
+                <a16:creationId xmlns:a16="http://schemas.microsoft.com/office/drawing/2014/main" id="{B2F29248-89AB-45BE-9A7A-68C42624ACC9}"/>
+              </a:ext>
+            </a:extLst>
+          </p:cNvPr>
+          <p:cNvCxnSpPr>
+            <a:cxnSpLocks/>
+            <a:stCxn id="14" idx="1"/>
+            <a:endCxn id="68" idx="3"/>
+          </p:cNvCxnSpPr>
+          <p:nvPr/>
+        </p:nvCxnSpPr>
+        <p:spPr>
+          <a:xfrm flipH="1">
+            <a:off x="6025149" y="4166688"/>
+            <a:ext cx="416062" cy="0"/>
+          </a:xfrm>
+          <a:prstGeom prst="straightConnector1">
+            <a:avLst/>
+          </a:prstGeom>
+          <a:ln w="38100">
+            <a:tailEnd type="triangle"/>
+          </a:ln>
+        </p:spPr>
+        <p:style>
+          <a:lnRef idx="1">
+            <a:schemeClr val="accent1"/>
+          </a:lnRef>
+          <a:fillRef idx="0">
+            <a:schemeClr val="accent1"/>
+          </a:fillRef>
+          <a:effectRef idx="0">
+            <a:schemeClr val="accent1"/>
+          </a:effectRef>
+          <a:fontRef idx="minor">
+            <a:schemeClr val="tx1"/>
+          </a:fontRef>
+        </p:style>
+      </p:cxnSp>
+      <p:cxnSp>
+        <p:nvCxnSpPr>
+          <p:cNvPr id="75" name="Straight Arrow Connector 74">
+            <a:extLst>
+              <a:ext uri="{FF2B5EF4-FFF2-40B4-BE49-F238E27FC236}">
+                <a16:creationId xmlns:a16="http://schemas.microsoft.com/office/drawing/2014/main" id="{E7F264EE-0ACC-411C-BC51-5DFC8B0DC3CD}"/>
+              </a:ext>
+            </a:extLst>
+          </p:cNvPr>
+          <p:cNvCxnSpPr>
+            <a:cxnSpLocks/>
+            <a:stCxn id="14" idx="2"/>
+            <a:endCxn id="15" idx="0"/>
+          </p:cNvCxnSpPr>
+          <p:nvPr/>
+        </p:nvCxnSpPr>
+        <p:spPr>
+          <a:xfrm>
+            <a:off x="7755661" y="4846138"/>
+            <a:ext cx="0" cy="431799"/>
+          </a:xfrm>
+          <a:prstGeom prst="straightConnector1">
+            <a:avLst/>
+          </a:prstGeom>
+          <a:ln w="38100">
+            <a:tailEnd type="triangle"/>
+          </a:ln>
+        </p:spPr>
+        <p:style>
+          <a:lnRef idx="1">
+            <a:schemeClr val="accent1"/>
+          </a:lnRef>
+          <a:fillRef idx="0">
+            <a:schemeClr val="accent1"/>
+          </a:fillRef>
+          <a:effectRef idx="0">
+            <a:schemeClr val="accent1"/>
+          </a:effectRef>
+          <a:fontRef idx="minor">
+            <a:schemeClr val="tx1"/>
+          </a:fontRef>
+        </p:style>
+      </p:cxnSp>
+      <p:cxnSp>
+        <p:nvCxnSpPr>
+          <p:cNvPr id="77" name="Straight Arrow Connector 76">
+            <a:extLst>
+              <a:ext uri="{FF2B5EF4-FFF2-40B4-BE49-F238E27FC236}">
+                <a16:creationId xmlns:a16="http://schemas.microsoft.com/office/drawing/2014/main" id="{E0A38A22-B9C7-499F-9D5B-A06973603691}"/>
+              </a:ext>
+            </a:extLst>
+          </p:cNvPr>
+          <p:cNvCxnSpPr>
+            <a:stCxn id="16" idx="4"/>
+            <a:endCxn id="23" idx="0"/>
+          </p:cNvCxnSpPr>
+          <p:nvPr/>
+        </p:nvCxnSpPr>
+        <p:spPr>
+          <a:xfrm>
+            <a:off x="7755661" y="6954201"/>
+            <a:ext cx="0" cy="261031"/>
+          </a:xfrm>
+          <a:prstGeom prst="straightConnector1">
+            <a:avLst/>
+          </a:prstGeom>
+          <a:ln w="38100">
+            <a:tailEnd type="triangle"/>
+          </a:ln>
+        </p:spPr>
+        <p:style>
+          <a:lnRef idx="1">
+            <a:schemeClr val="accent1"/>
+          </a:lnRef>
+          <a:fillRef idx="0">
+            <a:schemeClr val="accent1"/>
+          </a:fillRef>
+          <a:effectRef idx="0">
+            <a:schemeClr val="accent1"/>
+          </a:effectRef>
+          <a:fontRef idx="minor">
+            <a:schemeClr val="tx1"/>
+          </a:fontRef>
+        </p:style>
+      </p:cxnSp>
+      <p:cxnSp>
+        <p:nvCxnSpPr>
+          <p:cNvPr id="79" name="Straight Arrow Connector 78">
+            <a:extLst>
+              <a:ext uri="{FF2B5EF4-FFF2-40B4-BE49-F238E27FC236}">
+                <a16:creationId xmlns:a16="http://schemas.microsoft.com/office/drawing/2014/main" id="{F8CCB629-297E-4A25-9743-3E93991CB105}"/>
+              </a:ext>
+            </a:extLst>
+          </p:cNvPr>
+          <p:cNvCxnSpPr>
+            <a:stCxn id="15" idx="2"/>
+            <a:endCxn id="16" idx="0"/>
+          </p:cNvCxnSpPr>
+          <p:nvPr/>
+        </p:nvCxnSpPr>
+        <p:spPr>
+          <a:xfrm>
+            <a:off x="7755661" y="6116139"/>
+            <a:ext cx="0" cy="88762"/>
+          </a:xfrm>
+          <a:prstGeom prst="straightConnector1">
+            <a:avLst/>
+          </a:prstGeom>
+          <a:ln w="38100">
+            <a:tailEnd type="triangle"/>
+          </a:ln>
+        </p:spPr>
+        <p:style>
+          <a:lnRef idx="1">
+            <a:schemeClr val="accent1"/>
+          </a:lnRef>
+          <a:fillRef idx="0">
+            <a:schemeClr val="accent1"/>
+          </a:fillRef>
+          <a:effectRef idx="0">
+            <a:schemeClr val="accent1"/>
+          </a:effectRef>
+          <a:fontRef idx="minor">
+            <a:schemeClr val="tx1"/>
+          </a:fontRef>
+        </p:style>
+      </p:cxnSp>
+      <p:cxnSp>
+        <p:nvCxnSpPr>
+          <p:cNvPr id="81" name="Straight Arrow Connector 80">
+            <a:extLst>
+              <a:ext uri="{FF2B5EF4-FFF2-40B4-BE49-F238E27FC236}">
+                <a16:creationId xmlns:a16="http://schemas.microsoft.com/office/drawing/2014/main" id="{5E5DCEB9-6C70-43E9-B4C1-2C05C59B5730}"/>
+              </a:ext>
+            </a:extLst>
+          </p:cNvPr>
+          <p:cNvCxnSpPr>
+            <a:stCxn id="18" idx="4"/>
+            <a:endCxn id="21" idx="0"/>
+          </p:cNvCxnSpPr>
+          <p:nvPr/>
+        </p:nvCxnSpPr>
+        <p:spPr>
+          <a:xfrm>
+            <a:off x="7755661" y="10045972"/>
+            <a:ext cx="0" cy="845638"/>
+          </a:xfrm>
+          <a:prstGeom prst="straightConnector1">
+            <a:avLst/>
+          </a:prstGeom>
+          <a:ln w="38100">
+            <a:tailEnd type="triangle"/>
+          </a:ln>
+        </p:spPr>
+        <p:style>
+          <a:lnRef idx="1">
+            <a:schemeClr val="accent1"/>
+          </a:lnRef>
+          <a:fillRef idx="0">
+            <a:schemeClr val="accent1"/>
+          </a:fillRef>
+          <a:effectRef idx="0">
+            <a:schemeClr val="accent1"/>
+          </a:effectRef>
+          <a:fontRef idx="minor">
+            <a:schemeClr val="tx1"/>
+          </a:fontRef>
+        </p:style>
+      </p:cxnSp>
+      <p:sp>
+        <p:nvSpPr>
+          <p:cNvPr id="127" name="Rectangle 126">
+            <a:extLst>
+              <a:ext uri="{FF2B5EF4-FFF2-40B4-BE49-F238E27FC236}">
+                <a16:creationId xmlns:a16="http://schemas.microsoft.com/office/drawing/2014/main" id="{E10C50E8-C78A-45BA-98F0-9FDA2F243746}"/>
+              </a:ext>
+            </a:extLst>
+          </p:cNvPr>
+          <p:cNvSpPr/>
+          <p:nvPr/>
+        </p:nvSpPr>
+        <p:spPr>
+          <a:xfrm>
+            <a:off x="6870630" y="1699800"/>
+            <a:ext cx="1816100" cy="501650"/>
+          </a:xfrm>
+          <a:prstGeom prst="rect">
+            <a:avLst/>
+          </a:prstGeom>
+        </p:spPr>
+        <p:style>
+          <a:lnRef idx="2">
+            <a:schemeClr val="accent1">
+              <a:shade val="50000"/>
+            </a:schemeClr>
+          </a:lnRef>
+          <a:fillRef idx="1">
+            <a:schemeClr val="accent1"/>
+          </a:fillRef>
+          <a:effectRef idx="0">
+            <a:schemeClr val="accent1"/>
+          </a:effectRef>
+          <a:fontRef idx="minor">
+            <a:schemeClr val="lt1"/>
+          </a:fontRef>
+        </p:style>
+        <p:txBody>
+          <a:bodyPr rtlCol="0" anchor="ctr"/>
+          <a:lstStyle/>
+          <a:p>
+            <a:pPr algn="ctr"/>
+            <a:r>
+              <a:rPr lang="en-US" dirty="0" err="1">
+                <a:latin typeface="Roboto" pitchFamily="2" charset="0"/>
+                <a:ea typeface="Roboto" pitchFamily="2" charset="0"/>
+              </a:rPr>
+              <a:t>Timer_start</a:t>
+            </a:r>
+            <a:r>
+              <a:rPr lang="en-US" dirty="0">
+                <a:latin typeface="Roboto" pitchFamily="2" charset="0"/>
+                <a:ea typeface="Roboto" pitchFamily="2" charset="0"/>
+              </a:rPr>
+              <a:t>: 10</a:t>
+            </a:r>
+          </a:p>
+        </p:txBody>
+      </p:sp>
+      <p:sp>
+        <p:nvSpPr>
+          <p:cNvPr id="136" name="TextBox 135">
+            <a:extLst>
+              <a:ext uri="{FF2B5EF4-FFF2-40B4-BE49-F238E27FC236}">
+                <a16:creationId xmlns:a16="http://schemas.microsoft.com/office/drawing/2014/main" id="{8ABFACE4-FCD9-4D9E-928F-66FCA8C05182}"/>
+              </a:ext>
+            </a:extLst>
+          </p:cNvPr>
+          <p:cNvSpPr txBox="1"/>
+          <p:nvPr/>
+        </p:nvSpPr>
+        <p:spPr>
+          <a:xfrm>
+            <a:off x="6004579" y="3748415"/>
+            <a:ext cx="681597" cy="369332"/>
+          </a:xfrm>
+          <a:prstGeom prst="rect">
+            <a:avLst/>
+          </a:prstGeom>
+          <a:noFill/>
+        </p:spPr>
+        <p:txBody>
+          <a:bodyPr wrap="none" rtlCol="0">
+            <a:spAutoFit/>
+          </a:bodyPr>
+          <a:lstStyle/>
+          <a:p>
+            <a:r>
+              <a:rPr lang="en-US" dirty="0">
+                <a:latin typeface="Roboto" pitchFamily="2" charset="0"/>
+                <a:ea typeface="Roboto" pitchFamily="2" charset="0"/>
+              </a:rPr>
+              <a:t>back</a:t>
+            </a:r>
+          </a:p>
+        </p:txBody>
+      </p:sp>
+      <p:sp>
+        <p:nvSpPr>
+          <p:cNvPr id="137" name="TextBox 136">
+            <a:extLst>
+              <a:ext uri="{FF2B5EF4-FFF2-40B4-BE49-F238E27FC236}">
+                <a16:creationId xmlns:a16="http://schemas.microsoft.com/office/drawing/2014/main" id="{36DDD054-D156-4DB6-8883-96782C0BE9CC}"/>
+              </a:ext>
+            </a:extLst>
+          </p:cNvPr>
+          <p:cNvSpPr txBox="1"/>
+          <p:nvPr/>
+        </p:nvSpPr>
+        <p:spPr>
+          <a:xfrm>
+            <a:off x="7880397" y="4692705"/>
+            <a:ext cx="614207" cy="369332"/>
+          </a:xfrm>
+          <a:prstGeom prst="rect">
+            <a:avLst/>
+          </a:prstGeom>
+          <a:noFill/>
+        </p:spPr>
+        <p:txBody>
+          <a:bodyPr wrap="none" rtlCol="0">
+            <a:spAutoFit/>
+          </a:bodyPr>
+          <a:lstStyle/>
+          <a:p>
+            <a:r>
+              <a:rPr lang="en-US" dirty="0">
+                <a:latin typeface="Roboto" pitchFamily="2" charset="0"/>
+                <a:ea typeface="Roboto" pitchFamily="2" charset="0"/>
+              </a:rPr>
+              <a:t>play</a:t>
+            </a:r>
+          </a:p>
+        </p:txBody>
+      </p:sp>
+      <p:sp>
+        <p:nvSpPr>
+          <p:cNvPr id="142" name="TextBox 141">
+            <a:extLst>
+              <a:ext uri="{FF2B5EF4-FFF2-40B4-BE49-F238E27FC236}">
+                <a16:creationId xmlns:a16="http://schemas.microsoft.com/office/drawing/2014/main" id="{B8D30D54-3FB6-4CFD-AB41-9FCAACB92036}"/>
+              </a:ext>
+            </a:extLst>
+          </p:cNvPr>
+          <p:cNvSpPr txBox="1"/>
+          <p:nvPr/>
+        </p:nvSpPr>
+        <p:spPr>
+          <a:xfrm>
+            <a:off x="7808204" y="8701500"/>
+            <a:ext cx="478016" cy="369332"/>
+          </a:xfrm>
+          <a:prstGeom prst="rect">
+            <a:avLst/>
+          </a:prstGeom>
+          <a:noFill/>
+        </p:spPr>
+        <p:txBody>
+          <a:bodyPr wrap="none" rtlCol="0">
+            <a:spAutoFit/>
+          </a:bodyPr>
+          <a:lstStyle/>
+          <a:p>
+            <a:r>
+              <a:rPr lang="en-US" dirty="0">
+                <a:latin typeface="Roboto" pitchFamily="2" charset="0"/>
+                <a:ea typeface="Roboto" pitchFamily="2" charset="0"/>
+              </a:rPr>
+              <a:t>No</a:t>
+            </a:r>
+          </a:p>
+        </p:txBody>
+      </p:sp>
+      <p:sp>
+        <p:nvSpPr>
+          <p:cNvPr id="143" name="TextBox 142">
+            <a:extLst>
+              <a:ext uri="{FF2B5EF4-FFF2-40B4-BE49-F238E27FC236}">
+                <a16:creationId xmlns:a16="http://schemas.microsoft.com/office/drawing/2014/main" id="{E0818194-46C2-4A38-A86E-D87AB28F56E3}"/>
+              </a:ext>
+            </a:extLst>
+          </p:cNvPr>
+          <p:cNvSpPr txBox="1"/>
+          <p:nvPr/>
+        </p:nvSpPr>
+        <p:spPr>
+          <a:xfrm>
+            <a:off x="5824651" y="7974467"/>
+            <a:ext cx="563680" cy="369332"/>
+          </a:xfrm>
+          <a:prstGeom prst="rect">
+            <a:avLst/>
+          </a:prstGeom>
+          <a:noFill/>
+        </p:spPr>
+        <p:txBody>
+          <a:bodyPr wrap="none" rtlCol="0">
+            <a:spAutoFit/>
+          </a:bodyPr>
+          <a:lstStyle/>
+          <a:p>
+            <a:r>
+              <a:rPr lang="en-US" dirty="0">
+                <a:latin typeface="Roboto" pitchFamily="2" charset="0"/>
+                <a:ea typeface="Roboto" pitchFamily="2" charset="0"/>
+              </a:rPr>
+              <a:t>Yes</a:t>
+            </a:r>
+          </a:p>
+        </p:txBody>
+      </p:sp>
+      <p:sp>
+        <p:nvSpPr>
+          <p:cNvPr id="144" name="TextBox 143">
+            <a:extLst>
+              <a:ext uri="{FF2B5EF4-FFF2-40B4-BE49-F238E27FC236}">
+                <a16:creationId xmlns:a16="http://schemas.microsoft.com/office/drawing/2014/main" id="{0F156950-C017-4162-98A1-150CDA955B4E}"/>
+              </a:ext>
+            </a:extLst>
+          </p:cNvPr>
+          <p:cNvSpPr txBox="1"/>
+          <p:nvPr/>
+        </p:nvSpPr>
+        <p:spPr>
+          <a:xfrm>
+            <a:off x="8924323" y="11151959"/>
+            <a:ext cx="563680" cy="369332"/>
+          </a:xfrm>
+          <a:prstGeom prst="rect">
+            <a:avLst/>
+          </a:prstGeom>
+          <a:noFill/>
+        </p:spPr>
+        <p:txBody>
+          <a:bodyPr wrap="none" rtlCol="0">
+            <a:spAutoFit/>
+          </a:bodyPr>
+          <a:lstStyle/>
+          <a:p>
+            <a:r>
+              <a:rPr lang="en-US" dirty="0">
+                <a:latin typeface="Roboto" pitchFamily="2" charset="0"/>
+                <a:ea typeface="Roboto" pitchFamily="2" charset="0"/>
+              </a:rPr>
+              <a:t>Yes</a:t>
+            </a:r>
+          </a:p>
+        </p:txBody>
+      </p:sp>
+      <p:sp>
+        <p:nvSpPr>
+          <p:cNvPr id="145" name="TextBox 144">
+            <a:extLst>
+              <a:ext uri="{FF2B5EF4-FFF2-40B4-BE49-F238E27FC236}">
+                <a16:creationId xmlns:a16="http://schemas.microsoft.com/office/drawing/2014/main" id="{04660EB4-16CB-45B3-BCFF-AE791575246A}"/>
+              </a:ext>
+            </a:extLst>
+          </p:cNvPr>
+          <p:cNvSpPr txBox="1"/>
+          <p:nvPr/>
+        </p:nvSpPr>
+        <p:spPr>
+          <a:xfrm>
+            <a:off x="5968606" y="11170647"/>
+            <a:ext cx="478016" cy="369332"/>
+          </a:xfrm>
+          <a:prstGeom prst="rect">
+            <a:avLst/>
+          </a:prstGeom>
+          <a:noFill/>
+        </p:spPr>
+        <p:txBody>
+          <a:bodyPr wrap="none" rtlCol="0">
+            <a:spAutoFit/>
+          </a:bodyPr>
+          <a:lstStyle/>
+          <a:p>
+            <a:r>
+              <a:rPr lang="en-US" dirty="0">
+                <a:latin typeface="Roboto" pitchFamily="2" charset="0"/>
+                <a:ea typeface="Roboto" pitchFamily="2" charset="0"/>
+              </a:rPr>
+              <a:t>No</a:t>
             </a:r>
           </a:p>
         </p:txBody>
@@ -5139,7 +5933,7 @@
         </p:nvSpPr>
         <p:spPr>
           <a:xfrm>
-            <a:off x="7088911" y="1358"/>
+            <a:off x="4198552" y="2298700"/>
             <a:ext cx="1333500" cy="876300"/>
           </a:xfrm>
           <a:prstGeom prst="roundRect">
@@ -5203,7 +5997,7 @@
         </p:nvSpPr>
         <p:spPr>
           <a:xfrm>
-            <a:off x="6718525" y="1683838"/>
+            <a:off x="3828166" y="3981180"/>
             <a:ext cx="2095500" cy="749300"/>
           </a:xfrm>
           <a:prstGeom prst="parallelogram">
@@ -5259,7 +6053,7 @@
         </p:nvSpPr>
         <p:spPr>
           <a:xfrm>
-            <a:off x="6441211" y="2763474"/>
+            <a:off x="3550852" y="4940575"/>
             <a:ext cx="2628900" cy="1358900"/>
           </a:xfrm>
           <a:prstGeom prst="diamond">
@@ -5288,11 +6082,18 @@
           <a:p>
             <a:pPr algn="ctr"/>
             <a:r>
+              <a:rPr lang="en-US" sz="1100" dirty="0">
+                <a:latin typeface="Roboto" pitchFamily="2" charset="0"/>
+                <a:ea typeface="Roboto" pitchFamily="2" charset="0"/>
+              </a:rPr>
+              <a:t>Check if </a:t>
+            </a:r>
+            <a:r>
               <a:rPr lang="en-US" sz="1100" dirty="0" err="1">
                 <a:latin typeface="Roboto" pitchFamily="2" charset="0"/>
                 <a:ea typeface="Roboto" pitchFamily="2" charset="0"/>
               </a:rPr>
-              <a:t>Button_press</a:t>
+              <a:t>button_press</a:t>
             </a:r>
             <a:r>
               <a:rPr lang="en-US" sz="1100" dirty="0">
@@ -5318,7 +6119,7 @@
         </p:nvSpPr>
         <p:spPr>
           <a:xfrm>
-            <a:off x="6847611" y="4529181"/>
+            <a:off x="3957252" y="6826523"/>
             <a:ext cx="1816100" cy="838202"/>
           </a:xfrm>
           <a:prstGeom prst="rect">
@@ -5387,7 +6188,7 @@
         </p:nvSpPr>
         <p:spPr>
           <a:xfrm>
-            <a:off x="6847611" y="5513432"/>
+            <a:off x="3957252" y="7810774"/>
             <a:ext cx="1816100" cy="749300"/>
           </a:xfrm>
           <a:prstGeom prst="parallelogram">
@@ -5439,7 +6240,7 @@
         </p:nvSpPr>
         <p:spPr>
           <a:xfrm>
-            <a:off x="6697297" y="4376782"/>
+            <a:off x="3806938" y="6674124"/>
             <a:ext cx="2116728" cy="2159000"/>
           </a:xfrm>
           <a:prstGeom prst="rect">
@@ -5545,8 +6346,8 @@
         </p:nvCxnSpPr>
         <p:spPr>
           <a:xfrm>
-            <a:off x="9070111" y="3442924"/>
-            <a:ext cx="1556859" cy="43226"/>
+            <a:off x="6179752" y="5620025"/>
+            <a:ext cx="655159" cy="0"/>
           </a:xfrm>
           <a:prstGeom prst="straightConnector1">
             <a:avLst/>
@@ -5588,7 +6389,7 @@
         </p:nvCxnSpPr>
         <p:spPr>
           <a:xfrm>
-            <a:off x="7755661" y="877658"/>
+            <a:off x="4865302" y="3175000"/>
             <a:ext cx="10614" cy="806180"/>
           </a:xfrm>
           <a:prstGeom prst="straightConnector1">
@@ -5615,25 +6416,29 @@
       </p:cxnSp>
       <p:cxnSp>
         <p:nvCxnSpPr>
-          <p:cNvPr id="50" name="Straight Arrow Connector 49">
-            <a:extLst>
-              <a:ext uri="{FF2B5EF4-FFF2-40B4-BE49-F238E27FC236}">
-                <a16:creationId xmlns:a16="http://schemas.microsoft.com/office/drawing/2014/main" id="{BF9A0FFE-ACB9-48CC-A994-3C4A97178F3C}"/>
+          <p:cNvPr id="58" name="Connector: Elbow 57">
+            <a:extLst>
+              <a:ext uri="{FF2B5EF4-FFF2-40B4-BE49-F238E27FC236}">
+                <a16:creationId xmlns:a16="http://schemas.microsoft.com/office/drawing/2014/main" id="{1FEE8EFB-39F3-4DF8-B7DE-053896EEADED}"/>
               </a:ext>
             </a:extLst>
           </p:cNvPr>
           <p:cNvCxnSpPr>
             <a:cxnSpLocks/>
+            <a:stCxn id="16" idx="5"/>
+            <a:endCxn id="8" idx="1"/>
           </p:cNvCxnSpPr>
           <p:nvPr/>
         </p:nvCxnSpPr>
         <p:spPr>
-          <a:xfrm>
-            <a:off x="9070111" y="11571060"/>
-            <a:ext cx="980485" cy="0"/>
-          </a:xfrm>
-          <a:prstGeom prst="straightConnector1">
-            <a:avLst/>
+          <a:xfrm rot="10800000" flipH="1">
+            <a:off x="4050914" y="2736850"/>
+            <a:ext cx="147637" cy="5448574"/>
+          </a:xfrm>
+          <a:prstGeom prst="bentConnector3">
+            <a:avLst>
+              <a:gd name="adj1" fmla="val -648390"/>
+            </a:avLst>
           </a:prstGeom>
           <a:ln w="38100">
             <a:tailEnd type="triangle"/>
@@ -5656,10 +6461,10 @@
       </p:cxnSp>
       <p:sp>
         <p:nvSpPr>
-          <p:cNvPr id="57" name="Parallelogram 56">
-            <a:extLst>
-              <a:ext uri="{FF2B5EF4-FFF2-40B4-BE49-F238E27FC236}">
-                <a16:creationId xmlns:a16="http://schemas.microsoft.com/office/drawing/2014/main" id="{F139A0BE-5CB1-457A-AEB0-A4294C127E09}"/>
+          <p:cNvPr id="68" name="Rectangle: Rounded Corners 67">
+            <a:extLst>
+              <a:ext uri="{FF2B5EF4-FFF2-40B4-BE49-F238E27FC236}">
+                <a16:creationId xmlns:a16="http://schemas.microsoft.com/office/drawing/2014/main" id="{D017B9AB-CB52-48B1-AA76-4585AF57DFB3}"/>
               </a:ext>
             </a:extLst>
           </p:cNvPr>
@@ -5668,11 +6473,13 @@
         </p:nvSpPr>
         <p:spPr>
           <a:xfrm>
-            <a:off x="1884854" y="7019470"/>
-            <a:ext cx="2515147" cy="1554662"/>
-          </a:xfrm>
-          <a:prstGeom prst="parallelogram">
-            <a:avLst/>
+            <a:off x="6834911" y="5181875"/>
+            <a:ext cx="1333500" cy="876300"/>
+          </a:xfrm>
+          <a:prstGeom prst="roundRect">
+            <a:avLst>
+              <a:gd name="adj" fmla="val 50000"/>
+            </a:avLst>
           </a:prstGeom>
         </p:spPr>
         <p:style>
@@ -5701,36 +6508,43 @@
                 <a:latin typeface="Roboto" pitchFamily="2" charset="0"/>
                 <a:ea typeface="Roboto" pitchFamily="2" charset="0"/>
               </a:rPr>
-              <a:t>Show ”Ouch, you guessed wrong! /❌/ 👎for 2 secs</a:t>
+              <a:t>Menu</a:t>
+            </a:r>
+          </a:p>
+          <a:p>
+            <a:pPr algn="ctr"/>
+            <a:r>
+              <a:rPr lang="en-US" dirty="0">
+                <a:latin typeface="Roboto" pitchFamily="2" charset="0"/>
+                <a:ea typeface="Roboto" pitchFamily="2" charset="0"/>
+              </a:rPr>
+              <a:t>(Start) </a:t>
             </a:r>
           </a:p>
         </p:txBody>
       </p:sp>
       <p:cxnSp>
         <p:nvCxnSpPr>
-          <p:cNvPr id="58" name="Connector: Elbow 57">
-            <a:extLst>
-              <a:ext uri="{FF2B5EF4-FFF2-40B4-BE49-F238E27FC236}">
-                <a16:creationId xmlns:a16="http://schemas.microsoft.com/office/drawing/2014/main" id="{1FEE8EFB-39F3-4DF8-B7DE-053896EEADED}"/>
+          <p:cNvPr id="32" name="Straight Arrow Connector 31">
+            <a:extLst>
+              <a:ext uri="{FF2B5EF4-FFF2-40B4-BE49-F238E27FC236}">
+                <a16:creationId xmlns:a16="http://schemas.microsoft.com/office/drawing/2014/main" id="{903AC0C7-B793-42AE-89A4-531A491026A1}"/>
               </a:ext>
             </a:extLst>
           </p:cNvPr>
           <p:cNvCxnSpPr>
-            <a:cxnSpLocks/>
-            <a:stCxn id="17" idx="1"/>
-            <a:endCxn id="13" idx="5"/>
+            <a:stCxn id="13" idx="4"/>
+            <a:endCxn id="14" idx="0"/>
           </p:cNvCxnSpPr>
           <p:nvPr/>
         </p:nvCxnSpPr>
         <p:spPr>
-          <a:xfrm rot="10800000" flipH="1">
-            <a:off x="6697296" y="2058488"/>
-            <a:ext cx="114891" cy="3397794"/>
-          </a:xfrm>
-          <a:prstGeom prst="bentConnector3">
-            <a:avLst>
-              <a:gd name="adj1" fmla="val -1842088"/>
-            </a:avLst>
+          <a:xfrm flipH="1">
+            <a:off x="4865302" y="4730480"/>
+            <a:ext cx="10614" cy="210095"/>
+          </a:xfrm>
+          <a:prstGeom prst="straightConnector1">
+            <a:avLst/>
           </a:prstGeom>
           <a:ln w="38100">
             <a:tailEnd type="triangle"/>
@@ -5751,12 +6565,226 @@
           </a:fontRef>
         </p:style>
       </p:cxnSp>
-      <p:sp>
-        <p:nvSpPr>
-          <p:cNvPr id="68" name="Rectangle: Rounded Corners 67">
-            <a:extLst>
-              <a:ext uri="{FF2B5EF4-FFF2-40B4-BE49-F238E27FC236}">
-                <a16:creationId xmlns:a16="http://schemas.microsoft.com/office/drawing/2014/main" id="{D017B9AB-CB52-48B1-AA76-4585AF57DFB3}"/>
+      <p:cxnSp>
+        <p:nvCxnSpPr>
+          <p:cNvPr id="36" name="Straight Arrow Connector 35">
+            <a:extLst>
+              <a:ext uri="{FF2B5EF4-FFF2-40B4-BE49-F238E27FC236}">
+                <a16:creationId xmlns:a16="http://schemas.microsoft.com/office/drawing/2014/main" id="{DF4D63AC-28E1-4DA9-824D-71F3AE7989AF}"/>
+              </a:ext>
+            </a:extLst>
+          </p:cNvPr>
+          <p:cNvCxnSpPr>
+            <a:stCxn id="14" idx="2"/>
+            <a:endCxn id="15" idx="0"/>
+          </p:cNvCxnSpPr>
+          <p:nvPr/>
+        </p:nvCxnSpPr>
+        <p:spPr>
+          <a:xfrm>
+            <a:off x="4865302" y="6299475"/>
+            <a:ext cx="0" cy="527048"/>
+          </a:xfrm>
+          <a:prstGeom prst="straightConnector1">
+            <a:avLst/>
+          </a:prstGeom>
+          <a:ln w="38100">
+            <a:tailEnd type="triangle"/>
+          </a:ln>
+        </p:spPr>
+        <p:style>
+          <a:lnRef idx="1">
+            <a:schemeClr val="accent1"/>
+          </a:lnRef>
+          <a:fillRef idx="0">
+            <a:schemeClr val="accent1"/>
+          </a:fillRef>
+          <a:effectRef idx="0">
+            <a:schemeClr val="accent1"/>
+          </a:effectRef>
+          <a:fontRef idx="minor">
+            <a:schemeClr val="tx1"/>
+          </a:fontRef>
+        </p:style>
+      </p:cxnSp>
+      <p:cxnSp>
+        <p:nvCxnSpPr>
+          <p:cNvPr id="38" name="Straight Arrow Connector 37">
+            <a:extLst>
+              <a:ext uri="{FF2B5EF4-FFF2-40B4-BE49-F238E27FC236}">
+                <a16:creationId xmlns:a16="http://schemas.microsoft.com/office/drawing/2014/main" id="{8CF675E7-91E5-4583-9E06-DEB1BCCB67FC}"/>
+              </a:ext>
+            </a:extLst>
+          </p:cNvPr>
+          <p:cNvCxnSpPr>
+            <a:stCxn id="15" idx="2"/>
+            <a:endCxn id="16" idx="0"/>
+          </p:cNvCxnSpPr>
+          <p:nvPr/>
+        </p:nvCxnSpPr>
+        <p:spPr>
+          <a:xfrm>
+            <a:off x="4865302" y="7664725"/>
+            <a:ext cx="0" cy="146049"/>
+          </a:xfrm>
+          <a:prstGeom prst="straightConnector1">
+            <a:avLst/>
+          </a:prstGeom>
+          <a:ln w="38100">
+            <a:tailEnd type="triangle"/>
+          </a:ln>
+        </p:spPr>
+        <p:style>
+          <a:lnRef idx="1">
+            <a:schemeClr val="accent1"/>
+          </a:lnRef>
+          <a:fillRef idx="0">
+            <a:schemeClr val="accent1"/>
+          </a:fillRef>
+          <a:effectRef idx="0">
+            <a:schemeClr val="accent1"/>
+          </a:effectRef>
+          <a:fontRef idx="minor">
+            <a:schemeClr val="tx1"/>
+          </a:fontRef>
+        </p:style>
+      </p:cxnSp>
+      <p:pic>
+        <p:nvPicPr>
+          <p:cNvPr id="82" name="Picture 81">
+            <a:extLst>
+              <a:ext uri="{FF2B5EF4-FFF2-40B4-BE49-F238E27FC236}">
+                <a16:creationId xmlns:a16="http://schemas.microsoft.com/office/drawing/2014/main" id="{4FD1B323-7360-400E-8F34-C48D5748B38D}"/>
+              </a:ext>
+            </a:extLst>
+          </p:cNvPr>
+          <p:cNvPicPr>
+            <a:picLocks noChangeAspect="1"/>
+          </p:cNvPicPr>
+          <p:nvPr/>
+        </p:nvPicPr>
+        <p:blipFill>
+          <a:blip r:embed="rId2"/>
+          <a:stretch>
+            <a:fillRect/>
+          </a:stretch>
+        </p:blipFill>
+        <p:spPr>
+          <a:xfrm>
+            <a:off x="-5666217" y="5227775"/>
+            <a:ext cx="5230821" cy="6559865"/>
+          </a:xfrm>
+          <a:prstGeom prst="rect">
+            <a:avLst/>
+          </a:prstGeom>
+        </p:spPr>
+      </p:pic>
+      <p:sp>
+        <p:nvSpPr>
+          <p:cNvPr id="91" name="TextBox 90">
+            <a:extLst>
+              <a:ext uri="{FF2B5EF4-FFF2-40B4-BE49-F238E27FC236}">
+                <a16:creationId xmlns:a16="http://schemas.microsoft.com/office/drawing/2014/main" id="{6178C4E3-1626-4A3F-B747-5E00C3F4C858}"/>
+              </a:ext>
+            </a:extLst>
+          </p:cNvPr>
+          <p:cNvSpPr txBox="1"/>
+          <p:nvPr/>
+        </p:nvSpPr>
+        <p:spPr>
+          <a:xfrm>
+            <a:off x="6136640" y="5227775"/>
+            <a:ext cx="622286" cy="369332"/>
+          </a:xfrm>
+          <a:prstGeom prst="rect">
+            <a:avLst/>
+          </a:prstGeom>
+          <a:noFill/>
+        </p:spPr>
+        <p:txBody>
+          <a:bodyPr wrap="none" rtlCol="0">
+            <a:spAutoFit/>
+          </a:bodyPr>
+          <a:lstStyle/>
+          <a:p>
+            <a:r>
+              <a:rPr lang="en-US" dirty="0"/>
+              <a:t>Back</a:t>
+            </a:r>
+          </a:p>
+        </p:txBody>
+      </p:sp>
+      <p:sp>
+        <p:nvSpPr>
+          <p:cNvPr id="92" name="TextBox 91">
+            <a:extLst>
+              <a:ext uri="{FF2B5EF4-FFF2-40B4-BE49-F238E27FC236}">
+                <a16:creationId xmlns:a16="http://schemas.microsoft.com/office/drawing/2014/main" id="{0CBEA8F5-AA06-4E79-83B5-FFBB218BF3CB}"/>
+              </a:ext>
+            </a:extLst>
+          </p:cNvPr>
+          <p:cNvSpPr txBox="1"/>
+          <p:nvPr/>
+        </p:nvSpPr>
+        <p:spPr>
+          <a:xfrm>
+            <a:off x="4875916" y="6275806"/>
+            <a:ext cx="566694" cy="369332"/>
+          </a:xfrm>
+          <a:prstGeom prst="rect">
+            <a:avLst/>
+          </a:prstGeom>
+          <a:noFill/>
+        </p:spPr>
+        <p:txBody>
+          <a:bodyPr wrap="none" rtlCol="0">
+            <a:spAutoFit/>
+          </a:bodyPr>
+          <a:lstStyle/>
+          <a:p>
+            <a:r>
+              <a:rPr lang="en-US" dirty="0"/>
+              <a:t>Play</a:t>
+            </a:r>
+          </a:p>
+        </p:txBody>
+      </p:sp>
+    </p:spTree>
+    <p:extLst>
+      <p:ext uri="{BB962C8B-B14F-4D97-AF65-F5344CB8AC3E}">
+        <p14:creationId xmlns:p14="http://schemas.microsoft.com/office/powerpoint/2010/main" val="397652685"/>
+      </p:ext>
+    </p:extLst>
+  </p:cSld>
+  <p:clrMapOvr>
+    <a:masterClrMapping/>
+  </p:clrMapOvr>
+</p:sld>
+</file>
+
+<file path=ppt/slides/slide4.xml><?xml version="1.0" encoding="utf-8"?>
+<p:sld xmlns:a="http://schemas.openxmlformats.org/drawingml/2006/main" xmlns:r="http://schemas.openxmlformats.org/officeDocument/2006/relationships" xmlns:p="http://schemas.openxmlformats.org/presentationml/2006/main">
+  <p:cSld>
+    <p:spTree>
+      <p:nvGrpSpPr>
+        <p:cNvPr id="1" name=""/>
+        <p:cNvGrpSpPr/>
+        <p:nvPr/>
+      </p:nvGrpSpPr>
+      <p:grpSpPr>
+        <a:xfrm>
+          <a:off x="0" y="0"/>
+          <a:ext cx="0" cy="0"/>
+          <a:chOff x="0" y="0"/>
+          <a:chExt cx="0" cy="0"/>
+        </a:xfrm>
+      </p:grpSpPr>
+      <p:sp>
+        <p:nvSpPr>
+          <p:cNvPr id="11" name="Rectangle 10">
+            <a:extLst>
+              <a:ext uri="{FF2B5EF4-FFF2-40B4-BE49-F238E27FC236}">
+                <a16:creationId xmlns:a16="http://schemas.microsoft.com/office/drawing/2014/main" id="{83264715-077D-4E08-B7FA-DACF24C23959}"/>
               </a:ext>
             </a:extLst>
           </p:cNvPr>
@@ -5765,14 +6793,20 @@
         </p:nvSpPr>
         <p:spPr>
           <a:xfrm>
-            <a:off x="10626970" y="3048000"/>
-            <a:ext cx="1333500" cy="876300"/>
-          </a:xfrm>
-          <a:prstGeom prst="roundRect">
-            <a:avLst>
-              <a:gd name="adj" fmla="val 50000"/>
-            </a:avLst>
-          </a:prstGeom>
+            <a:off x="2979174" y="451929"/>
+            <a:ext cx="6553797" cy="5177973"/>
+          </a:xfrm>
+          <a:prstGeom prst="rect">
+            <a:avLst/>
+          </a:prstGeom>
+          <a:solidFill>
+            <a:srgbClr val="E23CCE">
+              <a:alpha val="45882"/>
+            </a:srgbClr>
+          </a:solidFill>
+          <a:ln>
+            <a:noFill/>
+          </a:ln>
         </p:spPr>
         <p:style>
           <a:lnRef idx="2">
@@ -5795,30 +6829,303 @@
           <a:lstStyle/>
           <a:p>
             <a:pPr algn="ctr"/>
-            <a:r>
-              <a:rPr lang="en-US" dirty="0">
-                <a:latin typeface="Roboto" pitchFamily="2" charset="0"/>
-                <a:ea typeface="Roboto" pitchFamily="2" charset="0"/>
-              </a:rPr>
-              <a:t>Menu</a:t>
-            </a:r>
-          </a:p>
+            <a:endParaRPr lang="en-US"/>
+          </a:p>
+        </p:txBody>
+      </p:sp>
+      <p:sp>
+        <p:nvSpPr>
+          <p:cNvPr id="9" name="Rectangle 8">
+            <a:extLst>
+              <a:ext uri="{FF2B5EF4-FFF2-40B4-BE49-F238E27FC236}">
+                <a16:creationId xmlns:a16="http://schemas.microsoft.com/office/drawing/2014/main" id="{8FB873AB-89D8-4464-8A95-08205916A734}"/>
+              </a:ext>
+            </a:extLst>
+          </p:cNvPr>
+          <p:cNvSpPr/>
+          <p:nvPr/>
+        </p:nvSpPr>
+        <p:spPr>
+          <a:xfrm>
+            <a:off x="3472704" y="4265939"/>
+            <a:ext cx="6185512" cy="8768446"/>
+          </a:xfrm>
+          <a:prstGeom prst="rect">
+            <a:avLst/>
+          </a:prstGeom>
+          <a:solidFill>
+            <a:schemeClr val="accent2">
+              <a:lumMod val="75000"/>
+              <a:alpha val="46000"/>
+            </a:schemeClr>
+          </a:solidFill>
+          <a:ln>
+            <a:noFill/>
+          </a:ln>
+        </p:spPr>
+        <p:style>
+          <a:lnRef idx="2">
+            <a:schemeClr val="accent1">
+              <a:shade val="50000"/>
+            </a:schemeClr>
+          </a:lnRef>
+          <a:fillRef idx="1">
+            <a:schemeClr val="accent1"/>
+          </a:fillRef>
+          <a:effectRef idx="0">
+            <a:schemeClr val="accent1"/>
+          </a:effectRef>
+          <a:fontRef idx="minor">
+            <a:schemeClr val="lt1"/>
+          </a:fontRef>
+        </p:style>
+        <p:txBody>
+          <a:bodyPr rtlCol="0" anchor="ctr"/>
+          <a:lstStyle/>
           <a:p>
             <a:pPr algn="ctr"/>
-            <a:r>
-              <a:rPr lang="en-US" dirty="0">
-                <a:latin typeface="Roboto" pitchFamily="2" charset="0"/>
-                <a:ea typeface="Roboto" pitchFamily="2" charset="0"/>
-              </a:rPr>
-              <a:t>(Start) </a:t>
-            </a:r>
-          </a:p>
-        </p:txBody>
-      </p:sp>
+            <a:endParaRPr lang="en-US"/>
+          </a:p>
+        </p:txBody>
+      </p:sp>
+      <p:pic>
+        <p:nvPicPr>
+          <p:cNvPr id="4" name="Picture 3">
+            <a:extLst>
+              <a:ext uri="{FF2B5EF4-FFF2-40B4-BE49-F238E27FC236}">
+                <a16:creationId xmlns:a16="http://schemas.microsoft.com/office/drawing/2014/main" id="{86D631B2-C294-4C0A-A7E8-8758A56687C0}"/>
+              </a:ext>
+            </a:extLst>
+          </p:cNvPr>
+          <p:cNvPicPr>
+            <a:picLocks noChangeAspect="1"/>
+          </p:cNvPicPr>
+          <p:nvPr/>
+        </p:nvPicPr>
+        <p:blipFill>
+          <a:blip r:embed="rId2"/>
+          <a:stretch>
+            <a:fillRect/>
+          </a:stretch>
+        </p:blipFill>
+        <p:spPr>
+          <a:xfrm>
+            <a:off x="3572442" y="1040487"/>
+            <a:ext cx="5581011" cy="3038755"/>
+          </a:xfrm>
+          <a:prstGeom prst="rect">
+            <a:avLst/>
+          </a:prstGeom>
+        </p:spPr>
+      </p:pic>
+      <p:pic>
+        <p:nvPicPr>
+          <p:cNvPr id="5" name="Picture 4">
+            <a:extLst>
+              <a:ext uri="{FF2B5EF4-FFF2-40B4-BE49-F238E27FC236}">
+                <a16:creationId xmlns:a16="http://schemas.microsoft.com/office/drawing/2014/main" id="{08301EDD-8131-4FD5-875A-4D743B833340}"/>
+              </a:ext>
+            </a:extLst>
+          </p:cNvPr>
+          <p:cNvPicPr>
+            <a:picLocks noChangeAspect="1"/>
+          </p:cNvPicPr>
+          <p:nvPr/>
+        </p:nvPicPr>
+        <p:blipFill>
+          <a:blip r:embed="rId3"/>
+          <a:stretch>
+            <a:fillRect/>
+          </a:stretch>
+        </p:blipFill>
+        <p:spPr>
+          <a:xfrm>
+            <a:off x="3623640" y="4715339"/>
+            <a:ext cx="5750744" cy="7869645"/>
+          </a:xfrm>
+          <a:prstGeom prst="rect">
+            <a:avLst/>
+          </a:prstGeom>
+        </p:spPr>
+      </p:pic>
+      <p:sp>
+        <p:nvSpPr>
+          <p:cNvPr id="8" name="Rectangle 7">
+            <a:extLst>
+              <a:ext uri="{FF2B5EF4-FFF2-40B4-BE49-F238E27FC236}">
+                <a16:creationId xmlns:a16="http://schemas.microsoft.com/office/drawing/2014/main" id="{19D6E800-CFAF-4953-9D5A-DFC5471A4711}"/>
+              </a:ext>
+            </a:extLst>
+          </p:cNvPr>
+          <p:cNvSpPr/>
+          <p:nvPr/>
+        </p:nvSpPr>
+        <p:spPr>
+          <a:xfrm>
+            <a:off x="0" y="3704771"/>
+            <a:ext cx="4180114" cy="5177972"/>
+          </a:xfrm>
+          <a:prstGeom prst="rect">
+            <a:avLst/>
+          </a:prstGeom>
+          <a:solidFill>
+            <a:schemeClr val="accent2">
+              <a:alpha val="46000"/>
+            </a:schemeClr>
+          </a:solidFill>
+          <a:ln>
+            <a:noFill/>
+          </a:ln>
+        </p:spPr>
+        <p:style>
+          <a:lnRef idx="2">
+            <a:schemeClr val="accent1">
+              <a:shade val="50000"/>
+            </a:schemeClr>
+          </a:lnRef>
+          <a:fillRef idx="1">
+            <a:schemeClr val="accent1"/>
+          </a:fillRef>
+          <a:effectRef idx="0">
+            <a:schemeClr val="accent1"/>
+          </a:effectRef>
+          <a:fontRef idx="minor">
+            <a:schemeClr val="lt1"/>
+          </a:fontRef>
+        </p:style>
+        <p:txBody>
+          <a:bodyPr rtlCol="0" anchor="ctr"/>
+          <a:lstStyle/>
+          <a:p>
+            <a:pPr algn="ctr"/>
+            <a:endParaRPr lang="en-US"/>
+          </a:p>
+        </p:txBody>
+      </p:sp>
+      <p:pic>
+        <p:nvPicPr>
+          <p:cNvPr id="7" name="Picture 6">
+            <a:extLst>
+              <a:ext uri="{FF2B5EF4-FFF2-40B4-BE49-F238E27FC236}">
+                <a16:creationId xmlns:a16="http://schemas.microsoft.com/office/drawing/2014/main" id="{7453C619-AE08-4926-A55C-2FF2E365AF2B}"/>
+              </a:ext>
+            </a:extLst>
+          </p:cNvPr>
+          <p:cNvPicPr>
+            <a:picLocks noChangeAspect="1"/>
+          </p:cNvPicPr>
+          <p:nvPr/>
+        </p:nvPicPr>
+        <p:blipFill>
+          <a:blip r:embed="rId4"/>
+          <a:stretch>
+            <a:fillRect/>
+          </a:stretch>
+        </p:blipFill>
+        <p:spPr>
+          <a:xfrm>
+            <a:off x="408642" y="4186285"/>
+            <a:ext cx="3519838" cy="4414157"/>
+          </a:xfrm>
+          <a:prstGeom prst="rect">
+            <a:avLst/>
+          </a:prstGeom>
+        </p:spPr>
+      </p:pic>
     </p:spTree>
     <p:extLst>
       <p:ext uri="{BB962C8B-B14F-4D97-AF65-F5344CB8AC3E}">
-        <p14:creationId xmlns:p14="http://schemas.microsoft.com/office/powerpoint/2010/main" val="397652685"/>
+        <p14:creationId xmlns:p14="http://schemas.microsoft.com/office/powerpoint/2010/main" val="3480269235"/>
+      </p:ext>
+    </p:extLst>
+  </p:cSld>
+  <p:clrMapOvr>
+    <a:masterClrMapping/>
+  </p:clrMapOvr>
+</p:sld>
+</file>
+
+<file path=ppt/slides/slide5.xml><?xml version="1.0" encoding="utf-8"?>
+<p:sld xmlns:a="http://schemas.openxmlformats.org/drawingml/2006/main" xmlns:r="http://schemas.openxmlformats.org/officeDocument/2006/relationships" xmlns:p="http://schemas.openxmlformats.org/presentationml/2006/main">
+  <p:cSld>
+    <p:spTree>
+      <p:nvGrpSpPr>
+        <p:cNvPr id="1" name=""/>
+        <p:cNvGrpSpPr/>
+        <p:nvPr/>
+      </p:nvGrpSpPr>
+      <p:grpSpPr>
+        <a:xfrm>
+          <a:off x="0" y="0"/>
+          <a:ext cx="0" cy="0"/>
+          <a:chOff x="0" y="0"/>
+          <a:chExt cx="0" cy="0"/>
+        </a:xfrm>
+      </p:grpSpPr>
+      <p:pic>
+        <p:nvPicPr>
+          <p:cNvPr id="4" name="Picture 3">
+            <a:extLst>
+              <a:ext uri="{FF2B5EF4-FFF2-40B4-BE49-F238E27FC236}">
+                <a16:creationId xmlns:a16="http://schemas.microsoft.com/office/drawing/2014/main" id="{487294CF-0305-44BE-9BC7-3F6BEBC34BEE}"/>
+              </a:ext>
+            </a:extLst>
+          </p:cNvPr>
+          <p:cNvPicPr>
+            <a:picLocks noChangeAspect="1"/>
+          </p:cNvPicPr>
+          <p:nvPr/>
+        </p:nvPicPr>
+        <p:blipFill>
+          <a:blip r:embed="rId2"/>
+          <a:stretch>
+            <a:fillRect/>
+          </a:stretch>
+        </p:blipFill>
+        <p:spPr>
+          <a:xfrm>
+            <a:off x="316603" y="264644"/>
+            <a:ext cx="8967993" cy="12272312"/>
+          </a:xfrm>
+          <a:prstGeom prst="rect">
+            <a:avLst/>
+          </a:prstGeom>
+        </p:spPr>
+      </p:pic>
+    </p:spTree>
+    <p:extLst>
+      <p:ext uri="{BB962C8B-B14F-4D97-AF65-F5344CB8AC3E}">
+        <p14:creationId xmlns:p14="http://schemas.microsoft.com/office/powerpoint/2010/main" val="1413153436"/>
+      </p:ext>
+    </p:extLst>
+  </p:cSld>
+  <p:clrMapOvr>
+    <a:masterClrMapping/>
+  </p:clrMapOvr>
+</p:sld>
+</file>
+
+<file path=ppt/slides/slide6.xml><?xml version="1.0" encoding="utf-8"?>
+<p:sld xmlns:a="http://schemas.openxmlformats.org/drawingml/2006/main" xmlns:r="http://schemas.openxmlformats.org/officeDocument/2006/relationships" xmlns:p="http://schemas.openxmlformats.org/presentationml/2006/main">
+  <p:cSld>
+    <p:spTree>
+      <p:nvGrpSpPr>
+        <p:cNvPr id="1" name=""/>
+        <p:cNvGrpSpPr/>
+        <p:nvPr/>
+      </p:nvGrpSpPr>
+      <p:grpSpPr>
+        <a:xfrm>
+          <a:off x="0" y="0"/>
+          <a:ext cx="0" cy="0"/>
+          <a:chOff x="0" y="0"/>
+          <a:chExt cx="0" cy="0"/>
+        </a:xfrm>
+      </p:grpSpPr>
+    </p:spTree>
+    <p:extLst>
+      <p:ext uri="{BB962C8B-B14F-4D97-AF65-F5344CB8AC3E}">
+        <p14:creationId xmlns:p14="http://schemas.microsoft.com/office/powerpoint/2010/main" val="2803669295"/>
       </p:ext>
     </p:extLst>
   </p:cSld>
